--- a/Slides/Lesson 7.4 Case Study-- Undefined Variables.pptx
+++ b/Slides/Lesson 7.4 Case Study-- Undefined Variables.pptx
@@ -158,6 +158,10 @@
 </p:presentation>
 </file>
 
+<file path=ppt/revisionInfo.xml><?xml version="1.0" encoding="utf-8"?>
+<p1510:revInfo xmlns:a="http://schemas.openxmlformats.org/drawingml/2006/main" xmlns:r="http://schemas.openxmlformats.org/officeDocument/2006/relationships" xmlns:p1510="http://schemas.microsoft.com/office/powerpoint/2015/10/main"/>
+</file>
+
 <file path=ppt/notesMasters/notesMaster1.xml><?xml version="1.0" encoding="utf-8"?>
 <p:notesMaster xmlns:a="http://schemas.openxmlformats.org/drawingml/2006/main" xmlns:r="http://schemas.openxmlformats.org/officeDocument/2006/relationships" xmlns:p="http://schemas.openxmlformats.org/presentationml/2006/main">
   <p:cSld>
@@ -241,7 +245,7 @@
             <a:fld id="{5758D54E-DB71-49E8-BB66-48EF417974F5}" type="datetimeFigureOut">
               <a:rPr lang="en-US" smtClean="0"/>
               <a:pPr/>
-              <a:t>10/25/2016</a:t>
+              <a:t>10/1/2017</a:t>
             </a:fld>
             <a:endParaRPr lang="en-US"/>
           </a:p>
@@ -775,7 +779,7 @@
           <a:p>
             <a:fld id="{2F1F79F5-7BEC-496A-AFC7-876E38F64D71}" type="datetime1">
               <a:rPr lang="en-US" smtClean="0"/>
-              <a:t>10/25/2016</a:t>
+              <a:t>10/1/2017</a:t>
             </a:fld>
             <a:endParaRPr lang="en-US"/>
           </a:p>
@@ -870,7 +874,7 @@
           <a:p>
             <a:fld id="{0A05703A-7669-4FEA-9056-25299B4D29D4}" type="datetime1">
               <a:rPr lang="en-US" smtClean="0"/>
-              <a:t>10/25/2016</a:t>
+              <a:t>10/1/2017</a:t>
             </a:fld>
             <a:endParaRPr lang="en-US"/>
           </a:p>
@@ -1145,7 +1149,7 @@
           <a:p>
             <a:fld id="{6E5077B5-BB57-49DB-88CA-226A139E5C01}" type="datetime1">
               <a:rPr lang="en-US" smtClean="0"/>
-              <a:t>10/25/2016</a:t>
+              <a:t>10/1/2017</a:t>
             </a:fld>
             <a:endParaRPr lang="en-US"/>
           </a:p>
@@ -1397,7 +1401,7 @@
           <a:p>
             <a:fld id="{C48D9447-CBD6-49A1-89FD-8512A8CF8999}" type="datetime1">
               <a:rPr lang="en-US" smtClean="0"/>
-              <a:t>10/25/2016</a:t>
+              <a:t>10/1/2017</a:t>
             </a:fld>
             <a:endParaRPr lang="en-US"/>
           </a:p>
@@ -1565,7 +1569,7 @@
           <a:p>
             <a:fld id="{A3639A2A-823D-48B7-9ACE-7FAF42870BA9}" type="datetime1">
               <a:rPr lang="en-US" smtClean="0"/>
-              <a:t>10/25/2016</a:t>
+              <a:t>10/1/2017</a:t>
             </a:fld>
             <a:endParaRPr lang="en-US"/>
           </a:p>
@@ -1743,7 +1747,7 @@
           <a:p>
             <a:fld id="{ED1B6996-82E9-463C-972C-7B56056E426C}" type="datetime1">
               <a:rPr lang="en-US" smtClean="0"/>
-              <a:t>10/25/2016</a:t>
+              <a:t>10/1/2017</a:t>
             </a:fld>
             <a:endParaRPr lang="en-US"/>
           </a:p>
@@ -1917,7 +1921,7 @@
           <a:p>
             <a:fld id="{E22ED4DA-448D-4BB1-B935-CC112220207B}" type="datetime1">
               <a:rPr lang="en-US" smtClean="0"/>
-              <a:t>10/25/2016</a:t>
+              <a:t>10/1/2017</a:t>
             </a:fld>
             <a:endParaRPr lang="en-US"/>
           </a:p>
@@ -2090,7 +2094,7 @@
           <a:p>
             <a:fld id="{E22ED4DA-448D-4BB1-B935-CC112220207B}" type="datetime1">
               <a:rPr lang="en-US" smtClean="0"/>
-              <a:t>10/25/2016</a:t>
+              <a:t>10/1/2017</a:t>
             </a:fld>
             <a:endParaRPr lang="en-US"/>
           </a:p>
@@ -2350,7 +2354,7 @@
           <a:p>
             <a:fld id="{FF5D65A6-AB94-4435-B0B7-3743215FA46C}" type="datetime1">
               <a:rPr lang="en-US" smtClean="0"/>
-              <a:t>10/25/2016</a:t>
+              <a:t>10/1/2017</a:t>
             </a:fld>
             <a:endParaRPr lang="en-US"/>
           </a:p>
@@ -2526,7 +2530,7 @@
           <a:p>
             <a:fld id="{FF5D65A6-AB94-4435-B0B7-3743215FA46C}" type="datetime1">
               <a:rPr lang="en-US" smtClean="0"/>
-              <a:t>10/25/2016</a:t>
+              <a:t>10/1/2017</a:t>
             </a:fld>
             <a:endParaRPr lang="en-US"/>
           </a:p>
@@ -2820,7 +2824,7 @@
           <a:p>
             <a:fld id="{7C193DC4-6EF0-48C9-B29C-616106A645E1}" type="datetime1">
               <a:rPr lang="en-US" smtClean="0"/>
-              <a:t>10/25/2016</a:t>
+              <a:t>10/1/2017</a:t>
             </a:fld>
             <a:endParaRPr lang="en-US"/>
           </a:p>
@@ -3105,7 +3109,7 @@
           <a:p>
             <a:fld id="{5D1846AD-9252-4647-9435-4C2AC365653A}" type="datetime1">
               <a:rPr lang="en-US" smtClean="0"/>
-              <a:t>10/25/2016</a:t>
+              <a:t>10/1/2017</a:t>
             </a:fld>
             <a:endParaRPr lang="en-US"/>
           </a:p>
@@ -3524,7 +3528,7 @@
           <a:p>
             <a:fld id="{CE56DC10-3561-4063-A6AF-C1CC7A41040A}" type="datetime1">
               <a:rPr lang="en-US" smtClean="0"/>
-              <a:t>10/25/2016</a:t>
+              <a:t>10/1/2017</a:t>
             </a:fld>
             <a:endParaRPr lang="en-US"/>
           </a:p>
@@ -3641,7 +3645,7 @@
           <a:p>
             <a:fld id="{2F7B77F5-1464-4F6B-92A8-64FC8A508293}" type="datetime1">
               <a:rPr lang="en-US" smtClean="0"/>
-              <a:t>10/25/2016</a:t>
+              <a:t>10/1/2017</a:t>
             </a:fld>
             <a:endParaRPr lang="en-US"/>
           </a:p>
@@ -3864,7 +3868,7 @@
           <a:p>
             <a:fld id="{02B3F677-983B-48DB-ADFD-63FE6CBC7FB2}" type="datetime1">
               <a:rPr lang="en-US" smtClean="0"/>
-              <a:t>10/25/2016</a:t>
+              <a:t>10/1/2017</a:t>
             </a:fld>
             <a:endParaRPr lang="en-US"/>
           </a:p>
@@ -4736,7 +4740,7 @@
               <a:rPr lang="en-US" sz="1800" b="1" dirty="0" err="1">
                 <a:latin typeface="Consolas" panose="020B0609020204030204" pitchFamily="49" charset="0"/>
               </a:rPr>
-              <a:t>ListOfDefinition</a:t>
+              <a:t>DefinitionList</a:t>
             </a:r>
             <a:endParaRPr lang="en-US" sz="1800" b="1" dirty="0">
               <a:latin typeface="Consolas" panose="020B0609020204030204" pitchFamily="49" charset="0"/>
@@ -4907,7 +4911,7 @@
         <p:spPr>
           <a:xfrm>
             <a:off x="685800" y="3655933"/>
-            <a:ext cx="7772400" cy="1754326"/>
+            <a:ext cx="7772400" cy="2031325"/>
           </a:xfrm>
           <a:prstGeom prst="rect">
             <a:avLst/>
@@ -4968,25 +4972,13 @@
               <a:rPr lang="en-US" b="1" dirty="0">
                 <a:latin typeface="Consolas" panose="020B0609020204030204" pitchFamily="49" charset="0"/>
               </a:rPr>
-              <a:t>;; A Definition is a (make-</a:t>
+              <a:t>;; A Definition is represented as a (make-def Variable </a:t>
             </a:r>
             <a:r>
               <a:rPr lang="en-US" b="1" dirty="0" err="1">
                 <a:latin typeface="Consolas" panose="020B0609020204030204" pitchFamily="49" charset="0"/>
               </a:rPr>
-              <a:t>def</a:t>
-            </a:r>
-            <a:r>
-              <a:rPr lang="en-US" b="1" dirty="0">
-                <a:latin typeface="Consolas" panose="020B0609020204030204" pitchFamily="49" charset="0"/>
-              </a:rPr>
-              <a:t> Variable </a:t>
-            </a:r>
-            <a:r>
-              <a:rPr lang="en-US" b="1" dirty="0" err="1">
-                <a:latin typeface="Consolas" panose="020B0609020204030204" pitchFamily="49" charset="0"/>
-              </a:rPr>
-              <a:t>ListOfVariable</a:t>
+              <a:t>VariableList</a:t>
             </a:r>
             <a:r>
               <a:rPr lang="en-US" b="1" dirty="0">
@@ -5349,7 +5341,7 @@
               <a:rPr lang="en-US" b="1" dirty="0" err="1">
                 <a:latin typeface="Consolas" panose="020B0609020204030204" pitchFamily="49" charset="0"/>
               </a:rPr>
-              <a:t>ListOfExp</a:t>
+              <a:t>ExpList</a:t>
             </a:r>
             <a:r>
               <a:rPr lang="en-US" b="1" dirty="0">
@@ -5553,8 +5545,8 @@
         </p:nvSpPr>
         <p:spPr>
           <a:xfrm>
-            <a:off x="2362200" y="5105400"/>
-            <a:ext cx="3810000" cy="369332"/>
+            <a:off x="1790700" y="5105400"/>
+            <a:ext cx="5562600" cy="369332"/>
           </a:xfrm>
           <a:prstGeom prst="rect">
             <a:avLst/>
@@ -5571,7 +5563,7 @@
               <a:rPr lang="en-US" b="1" dirty="0">
                 <a:latin typeface="Consolas" panose="020B0609020204030204" pitchFamily="49" charset="0"/>
               </a:rPr>
-              <a:t>;; A Variable is a Symbol</a:t>
+              <a:t>;; A Variable is represented as a Symbol</a:t>
             </a:r>
           </a:p>
         </p:txBody>
@@ -5894,7 +5886,7 @@
                     <a:schemeClr val="tx1"/>
                   </a:solidFill>
                 </a:rPr>
-                <a:t>ListOfVariable</a:t>
+                <a:t>VariableList</a:t>
               </a:r>
               <a:endParaRPr lang="en-US" dirty="0">
                 <a:solidFill>
@@ -6067,7 +6059,7 @@
                     <a:schemeClr val="tx1"/>
                   </a:solidFill>
                 </a:rPr>
-                <a:t>ListOfDefinition</a:t>
+                <a:t>DefinitionList</a:t>
               </a:r>
               <a:endParaRPr lang="en-US" dirty="0">
                 <a:solidFill>
@@ -6184,7 +6176,7 @@
                     <a:schemeClr val="tx1"/>
                   </a:solidFill>
                 </a:rPr>
-                <a:t>ListOfExpression</a:t>
+                <a:t>ExpListression</a:t>
               </a:r>
               <a:endParaRPr lang="en-US" dirty="0">
                 <a:solidFill>
@@ -6331,9 +6323,9 @@
           <p:grpSpPr>
             <a:xfrm>
               <a:off x="5750169" y="2436642"/>
-              <a:ext cx="2708030" cy="646331"/>
+              <a:ext cx="2708030" cy="461665"/>
               <a:chOff x="5987562" y="2080670"/>
-              <a:chExt cx="2708030" cy="646331"/>
+              <a:chExt cx="2708030" cy="461665"/>
             </a:xfrm>
           </p:grpSpPr>
           <p:sp>
@@ -6345,7 +6337,7 @@
             <p:spPr>
               <a:xfrm>
                 <a:off x="6561992" y="2080670"/>
-                <a:ext cx="2133600" cy="646331"/>
+                <a:ext cx="2133600" cy="461665"/>
               </a:xfrm>
               <a:prstGeom prst="rect">
                 <a:avLst/>
@@ -6377,7 +6369,7 @@
                 </a:r>
                 <a:r>
                   <a:rPr lang="en-US" dirty="0" err="1"/>
-                  <a:t>ListOfDefinitions</a:t>
+                  <a:t>DefinitionLists</a:t>
                 </a:r>
                 <a:r>
                   <a:rPr lang="en-US" dirty="0"/>
@@ -6385,7 +6377,7 @@
                 </a:r>
                 <a:r>
                   <a:rPr lang="en-US" dirty="0" err="1"/>
-                  <a:t>ListofDefinitions</a:t>
+                  <a:t>DefinitionLists</a:t>
                 </a:r>
                 <a:endParaRPr lang="en-US" dirty="0"/>
               </a:p>
@@ -6980,7 +6972,7 @@
             </a:r>
             <a:r>
               <a:rPr lang="en-US" sz="1200" dirty="0" err="1"/>
-              <a:t>ListOfExpression</a:t>
+              <a:t>ExpListression</a:t>
             </a:r>
             <a:r>
               <a:rPr lang="en-US" sz="1200" dirty="0"/>
@@ -6988,7 +6980,7 @@
             </a:r>
             <a:r>
               <a:rPr lang="en-US" sz="1200" dirty="0" err="1"/>
-              <a:t>ListofExpressions</a:t>
+              <a:t>ExpListressions</a:t>
             </a:r>
             <a:endParaRPr lang="en-US" sz="1200" dirty="0"/>
           </a:p>
@@ -9233,7 +9225,7 @@
             </a:r>
             <a:r>
               <a:rPr lang="en-US" dirty="0" err="1"/>
-              <a:t>ListOfDefinition</a:t>
+              <a:t>DefinitionList</a:t>
             </a:r>
             <a:r>
               <a:rPr lang="en-US" dirty="0"/>
@@ -9415,7 +9407,7 @@
             </a:r>
             <a:r>
               <a:rPr lang="en-US" dirty="0" err="1"/>
-              <a:t>ListOfDefinition</a:t>
+              <a:t>DefinitionList</a:t>
             </a:r>
             <a:r>
               <a:rPr lang="en-US" dirty="0"/>
@@ -9545,7 +9537,7 @@
             </a:r>
             <a:r>
               <a:rPr lang="en-US" dirty="0" err="1"/>
-              <a:t>ListOfDefinition</a:t>
+              <a:t>DefinitionList</a:t>
             </a:r>
             <a:r>
               <a:rPr lang="en-US" dirty="0"/>
@@ -11049,7 +11041,7 @@
         <p:spPr>
           <a:xfrm>
             <a:off x="7565951" y="5437152"/>
-            <a:ext cx="1501850" cy="830997"/>
+            <a:ext cx="1501850" cy="646331"/>
           </a:xfrm>
           <a:prstGeom prst="rect">
             <a:avLst/>
@@ -11081,7 +11073,7 @@
             </a:r>
             <a:r>
               <a:rPr lang="en-US" sz="1200" b="1" dirty="0" err="1"/>
-              <a:t>listofexp</a:t>
+              <a:t>ExpList</a:t>
             </a:r>
             <a:r>
               <a:rPr lang="en-US" sz="1200" b="1" dirty="0"/>
@@ -11337,7 +11329,7 @@
                     </a:schemeClr>
                   </a:solidFill>
                 </a:rPr>
-                <a:t>ListOfVariable</a:t>
+                <a:t>VariableList</a:t>
               </a:r>
               <a:endParaRPr lang="en-US" dirty="0">
                 <a:solidFill>
@@ -12599,7 +12591,7 @@
                     <a:schemeClr val="tx1"/>
                   </a:solidFill>
                 </a:rPr>
-                <a:t>ListOfVariable</a:t>
+                <a:t>VariableList</a:t>
               </a:r>
               <a:endParaRPr lang="en-US" dirty="0">
                 <a:solidFill>
@@ -12772,7 +12764,7 @@
                     <a:schemeClr val="tx1"/>
                   </a:solidFill>
                 </a:rPr>
-                <a:t>ListOfDefinition</a:t>
+                <a:t>DefinitionList</a:t>
               </a:r>
               <a:endParaRPr lang="en-US" dirty="0">
                 <a:solidFill>
@@ -12889,7 +12881,7 @@
                     <a:schemeClr val="tx1"/>
                   </a:solidFill>
                 </a:rPr>
-                <a:t>ListOfExpression</a:t>
+                <a:t>ExpListression</a:t>
               </a:r>
               <a:endParaRPr lang="en-US" dirty="0">
                 <a:solidFill>
@@ -13036,9 +13028,9 @@
           <p:grpSpPr>
             <a:xfrm>
               <a:off x="5750169" y="2436642"/>
-              <a:ext cx="2708030" cy="646331"/>
+              <a:ext cx="2708030" cy="461665"/>
               <a:chOff x="5987562" y="2080670"/>
-              <a:chExt cx="2708030" cy="646331"/>
+              <a:chExt cx="2708030" cy="461665"/>
             </a:xfrm>
           </p:grpSpPr>
           <p:sp>
@@ -13050,7 +13042,7 @@
             <p:spPr>
               <a:xfrm>
                 <a:off x="6561992" y="2080670"/>
-                <a:ext cx="2133600" cy="646331"/>
+                <a:ext cx="2133600" cy="461665"/>
               </a:xfrm>
               <a:prstGeom prst="rect">
                 <a:avLst/>
@@ -13082,7 +13074,7 @@
                 </a:r>
                 <a:r>
                   <a:rPr lang="en-US" dirty="0" err="1"/>
-                  <a:t>ListOfDefinitions</a:t>
+                  <a:t>DefinitionLists</a:t>
                 </a:r>
                 <a:r>
                   <a:rPr lang="en-US" dirty="0"/>
@@ -13090,7 +13082,7 @@
                 </a:r>
                 <a:r>
                   <a:rPr lang="en-US" dirty="0" err="1"/>
-                  <a:t>ListofDefinitions</a:t>
+                  <a:t>DefinitionLists</a:t>
                 </a:r>
                 <a:endParaRPr lang="en-US" dirty="0"/>
               </a:p>
@@ -13685,7 +13677,7 @@
             </a:r>
             <a:r>
               <a:rPr lang="en-US" sz="1200" dirty="0" err="1"/>
-              <a:t>ListOfExpression</a:t>
+              <a:t>ExpListression</a:t>
             </a:r>
             <a:r>
               <a:rPr lang="en-US" sz="1200" dirty="0"/>
@@ -13693,7 +13685,7 @@
             </a:r>
             <a:r>
               <a:rPr lang="en-US" sz="1200" dirty="0" err="1"/>
-              <a:t>ListofExpressions</a:t>
+              <a:t>ExpListressions</a:t>
             </a:r>
             <a:endParaRPr lang="en-US" sz="1200" dirty="0"/>
           </a:p>

--- a/Slides/Lesson 7.4 Case Study-- Undefined Variables.pptx
+++ b/Slides/Lesson 7.4 Case Study-- Undefined Variables.pptx
@@ -14521,7 +14521,7 @@
             </a:r>
             <a:r>
               <a:rPr lang="en-US"/>
-              <a:t>Guided Practices 7.2 and 7.3</a:t>
+              <a:t>Guided Practices 7.3 and 7.4</a:t>
             </a:r>
             <a:endParaRPr lang="en-US" dirty="0"/>
           </a:p>
